--- a/Fredericia/presentation/presentation.pptx
+++ b/Fredericia/presentation/presentation.pptx
@@ -12,6 +12,9 @@
     <p:sldId id="259" r:id="rId6"/>
     <p:sldId id="260" r:id="rId7"/>
     <p:sldId id="261" r:id="rId8"/>
+    <p:sldId id="262" r:id="rId9"/>
+    <p:sldId id="263" r:id="rId10"/>
+    <p:sldId id="264" r:id="rId11"/>
   </p:sldIdLst>
   <p:sldSz cx="9144000" cy="6858000" type="screen4x3"/>
   <p:notesSz cx="7559675" cy="10691813"/>
@@ -110,6 +113,11 @@
       </a:defRPr>
     </a:lvl9pPr>
   </p:defaultTextStyle>
+  <p:extLst>
+    <p:ext uri="{EFAFB233-063F-42B5-8137-9DF3F51BA10A}">
+      <p15:sldGuideLst xmlns:p15="http://schemas.microsoft.com/office/powerpoint/2012/main"/>
+    </p:ext>
+  </p:extLst>
 </p:presentation>
 </file>
 
@@ -5247,17 +5255,32 @@
               </a:rPr>
               <a:t>Løsning</a:t>
             </a:r>
-            <a:endParaRPr lang="da-DK" sz="1350" b="0" strike="noStrike" spc="-1" dirty="0">
-              <a:solidFill>
-                <a:srgbClr val="211A52"/>
-              </a:solidFill>
-              <a:uFill>
-                <a:solidFill>
-                  <a:srgbClr val="FFFFFF"/>
-                </a:solidFill>
-              </a:uFill>
-              <a:latin typeface="Arial"/>
-            </a:endParaRPr>
+          </a:p>
+          <a:p>
+            <a:pPr marL="100080" indent="-213840">
+              <a:spcBef>
+                <a:spcPts val="269"/>
+              </a:spcBef>
+              <a:buClr>
+                <a:srgbClr val="211A52"/>
+              </a:buClr>
+              <a:buFont typeface="Arial"/>
+              <a:buChar char="•"/>
+            </a:pPr>
+            <a:r>
+              <a:rPr lang="da-DK" sz="1350" b="0" strike="noStrike" spc="-1" dirty="0">
+                <a:solidFill>
+                  <a:srgbClr val="211A52"/>
+                </a:solidFill>
+                <a:uFill>
+                  <a:solidFill>
+                    <a:srgbClr val="FFFFFF"/>
+                  </a:solidFill>
+                </a:uFill>
+                <a:latin typeface="Arial"/>
+              </a:rPr>
+              <a:t>Spørgsmål</a:t>
+            </a:r>
           </a:p>
           <a:p>
             <a:pPr>
@@ -5448,7 +5471,9 @@
         </p:nvSpPr>
         <p:spPr/>
         <p:txBody>
-          <a:bodyPr/>
+          <a:bodyPr>
+            <a:normAutofit fontScale="92500" lnSpcReduction="20000"/>
+          </a:bodyPr>
           <a:lstStyle/>
           <a:p>
             <a:pPr lvl="1"/>
@@ -5949,6 +5974,406 @@
     <p:extLst>
       <p:ext uri="{BB962C8B-B14F-4D97-AF65-F5344CB8AC3E}">
         <p14:creationId xmlns:p14="http://schemas.microsoft.com/office/powerpoint/2010/main" val="597012721"/>
+      </p:ext>
+    </p:extLst>
+  </p:cSld>
+  <p:clrMapOvr>
+    <a:masterClrMapping/>
+  </p:clrMapOvr>
+</p:sld>
+</file>
+
+<file path=ppt/slides/slide7.xml><?xml version="1.0" encoding="utf-8"?>
+<p:sld xmlns:a="http://schemas.openxmlformats.org/drawingml/2006/main" xmlns:r="http://schemas.openxmlformats.org/officeDocument/2006/relationships" xmlns:p="http://schemas.openxmlformats.org/presentationml/2006/main">
+  <p:cSld>
+    <p:spTree>
+      <p:nvGrpSpPr>
+        <p:cNvPr id="1" name=""/>
+        <p:cNvGrpSpPr/>
+        <p:nvPr/>
+      </p:nvGrpSpPr>
+      <p:grpSpPr>
+        <a:xfrm>
+          <a:off x="0" y="0"/>
+          <a:ext cx="0" cy="0"/>
+          <a:chOff x="0" y="0"/>
+          <a:chExt cx="0" cy="0"/>
+        </a:xfrm>
+      </p:grpSpPr>
+      <p:sp>
+        <p:nvSpPr>
+          <p:cNvPr id="2" name="Title 1">
+            <a:extLst>
+              <a:ext uri="{FF2B5EF4-FFF2-40B4-BE49-F238E27FC236}">
+                <a16:creationId xmlns:a16="http://schemas.microsoft.com/office/drawing/2014/main" id="{467D8F15-166C-4E7B-92EC-9CEC49B78715}"/>
+              </a:ext>
+            </a:extLst>
+          </p:cNvPr>
+          <p:cNvSpPr>
+            <a:spLocks noGrp="1"/>
+          </p:cNvSpPr>
+          <p:nvPr>
+            <p:ph type="title"/>
+          </p:nvPr>
+        </p:nvSpPr>
+        <p:spPr/>
+        <p:txBody>
+          <a:bodyPr>
+            <a:normAutofit/>
+          </a:bodyPr>
+          <a:lstStyle/>
+          <a:p>
+            <a:r>
+              <a:rPr lang="da-DK" sz="2000" dirty="0">
+                <a:solidFill>
+                  <a:schemeClr val="bg1"/>
+                </a:solidFill>
+              </a:rPr>
+              <a:t>    Sprørgsmål</a:t>
+            </a:r>
+            <a:endParaRPr lang="en-US" sz="2000" dirty="0">
+              <a:solidFill>
+                <a:schemeClr val="bg1"/>
+              </a:solidFill>
+            </a:endParaRPr>
+          </a:p>
+        </p:txBody>
+      </p:sp>
+      <p:sp>
+        <p:nvSpPr>
+          <p:cNvPr id="3" name="Subtitle 2">
+            <a:extLst>
+              <a:ext uri="{FF2B5EF4-FFF2-40B4-BE49-F238E27FC236}">
+                <a16:creationId xmlns:a16="http://schemas.microsoft.com/office/drawing/2014/main" id="{4248E21A-F719-49C1-AD8D-36A53113C344}"/>
+              </a:ext>
+            </a:extLst>
+          </p:cNvPr>
+          <p:cNvSpPr>
+            <a:spLocks noGrp="1"/>
+          </p:cNvSpPr>
+          <p:nvPr>
+            <p:ph type="subTitle"/>
+          </p:nvPr>
+        </p:nvSpPr>
+        <p:spPr/>
+        <p:txBody>
+          <a:bodyPr/>
+          <a:lstStyle/>
+          <a:p>
+            <a:pPr fontAlgn="ctr"/>
+            <a:r>
+              <a:rPr lang="da-DK" dirty="0"/>
+              <a:t>Projekt/præsentation</a:t>
+            </a:r>
+          </a:p>
+          <a:p>
+            <a:pPr lvl="1" fontAlgn="ctr"/>
+            <a:r>
+              <a:rPr lang="da-DK" dirty="0"/>
+              <a:t>Giver valg af hovedledning mening (præsentation)?</a:t>
+            </a:r>
+          </a:p>
+          <a:p>
+            <a:pPr lvl="1" fontAlgn="ctr"/>
+            <a:r>
+              <a:rPr lang="da-DK" dirty="0"/>
+              <a:t>Kan hovedledning simplificeres som vist?</a:t>
+            </a:r>
+          </a:p>
+          <a:p>
+            <a:pPr lvl="1" fontAlgn="ctr"/>
+            <a:r>
+              <a:rPr lang="da-DK" dirty="0"/>
+              <a:t>Er projektet relevant i forhold til Fredericia?</a:t>
+            </a:r>
+          </a:p>
+          <a:p>
+            <a:pPr lvl="2" fontAlgn="ctr"/>
+            <a:r>
+              <a:rPr lang="da-DK" dirty="0"/>
+              <a:t>Flowstyring af input til rensningsanlæg og ikke regulering af kemiske forbindelser i ledningsnettet.</a:t>
+            </a:r>
+          </a:p>
+          <a:p>
+            <a:endParaRPr lang="en-US" dirty="0"/>
+          </a:p>
+        </p:txBody>
+      </p:sp>
+    </p:spTree>
+    <p:extLst>
+      <p:ext uri="{BB962C8B-B14F-4D97-AF65-F5344CB8AC3E}">
+        <p14:creationId xmlns:p14="http://schemas.microsoft.com/office/powerpoint/2010/main" val="1043751913"/>
+      </p:ext>
+    </p:extLst>
+  </p:cSld>
+  <p:clrMapOvr>
+    <a:masterClrMapping/>
+  </p:clrMapOvr>
+</p:sld>
+</file>
+
+<file path=ppt/slides/slide8.xml><?xml version="1.0" encoding="utf-8"?>
+<p:sld xmlns:a="http://schemas.openxmlformats.org/drawingml/2006/main" xmlns:r="http://schemas.openxmlformats.org/officeDocument/2006/relationships" xmlns:p="http://schemas.openxmlformats.org/presentationml/2006/main">
+  <p:cSld>
+    <p:spTree>
+      <p:nvGrpSpPr>
+        <p:cNvPr id="1" name=""/>
+        <p:cNvGrpSpPr/>
+        <p:nvPr/>
+      </p:nvGrpSpPr>
+      <p:grpSpPr>
+        <a:xfrm>
+          <a:off x="0" y="0"/>
+          <a:ext cx="0" cy="0"/>
+          <a:chOff x="0" y="0"/>
+          <a:chExt cx="0" cy="0"/>
+        </a:xfrm>
+      </p:grpSpPr>
+      <p:sp>
+        <p:nvSpPr>
+          <p:cNvPr id="2" name="Title 1">
+            <a:extLst>
+              <a:ext uri="{FF2B5EF4-FFF2-40B4-BE49-F238E27FC236}">
+                <a16:creationId xmlns:a16="http://schemas.microsoft.com/office/drawing/2014/main" id="{B993D76C-4153-4B29-A6D5-7527F17EFB14}"/>
+              </a:ext>
+            </a:extLst>
+          </p:cNvPr>
+          <p:cNvSpPr>
+            <a:spLocks noGrp="1"/>
+          </p:cNvSpPr>
+          <p:nvPr>
+            <p:ph type="title"/>
+          </p:nvPr>
+        </p:nvSpPr>
+        <p:spPr/>
+        <p:txBody>
+          <a:bodyPr>
+            <a:normAutofit/>
+          </a:bodyPr>
+          <a:lstStyle/>
+          <a:p>
+            <a:r>
+              <a:rPr lang="da-DK" sz="2000" dirty="0">
+                <a:solidFill>
+                  <a:schemeClr val="bg1"/>
+                </a:solidFill>
+              </a:rPr>
+              <a:t>    Sprørgsmål</a:t>
+            </a:r>
+            <a:endParaRPr lang="en-US" sz="2000" dirty="0"/>
+          </a:p>
+        </p:txBody>
+      </p:sp>
+      <p:sp>
+        <p:nvSpPr>
+          <p:cNvPr id="3" name="Subtitle 2">
+            <a:extLst>
+              <a:ext uri="{FF2B5EF4-FFF2-40B4-BE49-F238E27FC236}">
+                <a16:creationId xmlns:a16="http://schemas.microsoft.com/office/drawing/2014/main" id="{509BA6FE-4B8C-4275-8961-6B5511996348}"/>
+              </a:ext>
+            </a:extLst>
+          </p:cNvPr>
+          <p:cNvSpPr>
+            <a:spLocks noGrp="1"/>
+          </p:cNvSpPr>
+          <p:nvPr>
+            <p:ph type="subTitle"/>
+          </p:nvPr>
+        </p:nvSpPr>
+        <p:spPr/>
+        <p:txBody>
+          <a:bodyPr/>
+          <a:lstStyle/>
+          <a:p>
+            <a:pPr fontAlgn="ctr"/>
+            <a:r>
+              <a:rPr lang="da-DK" dirty="0"/>
+              <a:t>Rensningsanlæg</a:t>
+            </a:r>
+          </a:p>
+          <a:p>
+            <a:pPr lvl="1" fontAlgn="ctr"/>
+            <a:r>
+              <a:rPr lang="da-DK" dirty="0"/>
+              <a:t>Hvilke processer benyttes til rensning?</a:t>
+            </a:r>
+          </a:p>
+          <a:p>
+            <a:pPr lvl="1" fontAlgn="ctr"/>
+            <a:r>
+              <a:rPr lang="da-DK" dirty="0"/>
+              <a:t>Hvilke stoffer giver problemer under rensning?</a:t>
+            </a:r>
+          </a:p>
+          <a:p>
+            <a:pPr lvl="1" fontAlgn="ctr"/>
+            <a:r>
+              <a:rPr lang="da-DK" dirty="0"/>
+              <a:t>Hvordan påvirker flow/koncentrat ændringer i rensningen?</a:t>
+            </a:r>
+          </a:p>
+          <a:p>
+            <a:pPr lvl="2" fontAlgn="ctr"/>
+            <a:r>
+              <a:rPr lang="da-DK" dirty="0"/>
+              <a:t>F.eks. Pludselig udledning fra industri</a:t>
+            </a:r>
+          </a:p>
+          <a:p>
+            <a:pPr lvl="1" fontAlgn="ctr"/>
+            <a:r>
+              <a:rPr lang="da-DK" dirty="0"/>
+              <a:t>Kapacitet i rensnings anlægget(flow/koncentration)?</a:t>
+            </a:r>
+          </a:p>
+          <a:p>
+            <a:pPr lvl="1" fontAlgn="ctr"/>
+            <a:r>
+              <a:rPr lang="da-DK" dirty="0"/>
+              <a:t>Ideelt flow (mængde/koncentration)?</a:t>
+            </a:r>
+          </a:p>
+          <a:p>
+            <a:endParaRPr lang="en-US" dirty="0"/>
+          </a:p>
+        </p:txBody>
+      </p:sp>
+    </p:spTree>
+    <p:extLst>
+      <p:ext uri="{BB962C8B-B14F-4D97-AF65-F5344CB8AC3E}">
+        <p14:creationId xmlns:p14="http://schemas.microsoft.com/office/powerpoint/2010/main" val="1991954278"/>
+      </p:ext>
+    </p:extLst>
+  </p:cSld>
+  <p:clrMapOvr>
+    <a:masterClrMapping/>
+  </p:clrMapOvr>
+</p:sld>
+</file>
+
+<file path=ppt/slides/slide9.xml><?xml version="1.0" encoding="utf-8"?>
+<p:sld xmlns:a="http://schemas.openxmlformats.org/drawingml/2006/main" xmlns:r="http://schemas.openxmlformats.org/officeDocument/2006/relationships" xmlns:p="http://schemas.openxmlformats.org/presentationml/2006/main">
+  <p:cSld>
+    <p:spTree>
+      <p:nvGrpSpPr>
+        <p:cNvPr id="1" name=""/>
+        <p:cNvGrpSpPr/>
+        <p:nvPr/>
+      </p:nvGrpSpPr>
+      <p:grpSpPr>
+        <a:xfrm>
+          <a:off x="0" y="0"/>
+          <a:ext cx="0" cy="0"/>
+          <a:chOff x="0" y="0"/>
+          <a:chExt cx="0" cy="0"/>
+        </a:xfrm>
+      </p:grpSpPr>
+      <p:sp>
+        <p:nvSpPr>
+          <p:cNvPr id="2" name="Title 1">
+            <a:extLst>
+              <a:ext uri="{FF2B5EF4-FFF2-40B4-BE49-F238E27FC236}">
+                <a16:creationId xmlns:a16="http://schemas.microsoft.com/office/drawing/2014/main" id="{E19A9079-10BE-4933-98D6-27D94B9B01A6}"/>
+              </a:ext>
+            </a:extLst>
+          </p:cNvPr>
+          <p:cNvSpPr>
+            <a:spLocks noGrp="1"/>
+          </p:cNvSpPr>
+          <p:nvPr>
+            <p:ph type="title"/>
+          </p:nvPr>
+        </p:nvSpPr>
+        <p:spPr/>
+        <p:txBody>
+          <a:bodyPr>
+            <a:normAutofit/>
+          </a:bodyPr>
+          <a:lstStyle/>
+          <a:p>
+            <a:r>
+              <a:rPr lang="da-DK" sz="2000" dirty="0">
+                <a:solidFill>
+                  <a:schemeClr val="bg1"/>
+                </a:solidFill>
+              </a:rPr>
+              <a:t>    Sprørgsmål</a:t>
+            </a:r>
+            <a:endParaRPr lang="en-US" sz="2000" dirty="0"/>
+          </a:p>
+        </p:txBody>
+      </p:sp>
+      <p:sp>
+        <p:nvSpPr>
+          <p:cNvPr id="3" name="Subtitle 2">
+            <a:extLst>
+              <a:ext uri="{FF2B5EF4-FFF2-40B4-BE49-F238E27FC236}">
+                <a16:creationId xmlns:a16="http://schemas.microsoft.com/office/drawing/2014/main" id="{39D5BF07-8717-4218-AC8F-9254022031A4}"/>
+              </a:ext>
+            </a:extLst>
+          </p:cNvPr>
+          <p:cNvSpPr>
+            <a:spLocks noGrp="1"/>
+          </p:cNvSpPr>
+          <p:nvPr>
+            <p:ph type="subTitle"/>
+          </p:nvPr>
+        </p:nvSpPr>
+        <p:spPr/>
+        <p:txBody>
+          <a:bodyPr/>
+          <a:lstStyle/>
+          <a:p>
+            <a:pPr fontAlgn="ctr"/>
+            <a:r>
+              <a:rPr lang="da-DK" dirty="0"/>
+              <a:t>Kloaknet</a:t>
+            </a:r>
+          </a:p>
+          <a:p>
+            <a:pPr lvl="1" fontAlgn="ctr"/>
+            <a:r>
+              <a:rPr lang="da-DK" dirty="0"/>
+              <a:t>Flow målinger i nettet?</a:t>
+            </a:r>
+          </a:p>
+          <a:p>
+            <a:pPr lvl="1" fontAlgn="ctr"/>
+            <a:r>
+              <a:rPr lang="da-DK" dirty="0"/>
+              <a:t>Koncentrations målinger i nettet?</a:t>
+            </a:r>
+          </a:p>
+          <a:p>
+            <a:pPr lvl="1" fontAlgn="ctr"/>
+            <a:r>
+              <a:rPr lang="da-DK" dirty="0"/>
+              <a:t>Findes der nogle bassiner i nettet lige nu i valgte hovedledning?</a:t>
+            </a:r>
+          </a:p>
+          <a:p>
+            <a:pPr lvl="1" fontAlgn="ctr"/>
+            <a:r>
+              <a:rPr lang="da-DK" dirty="0"/>
+              <a:t>Grundvands indtrængning (mængder?)</a:t>
+            </a:r>
+          </a:p>
+          <a:p>
+            <a:pPr lvl="1" fontAlgn="ctr"/>
+            <a:r>
+              <a:rPr lang="da-DK" dirty="0"/>
+              <a:t>Er det en pumpe station, på hjørnet af Holstensvej og Strandvejen? </a:t>
+            </a:r>
+          </a:p>
+          <a:p>
+            <a:endParaRPr lang="en-US" dirty="0"/>
+          </a:p>
+        </p:txBody>
+      </p:sp>
+    </p:spTree>
+    <p:extLst>
+      <p:ext uri="{BB962C8B-B14F-4D97-AF65-F5344CB8AC3E}">
+        <p14:creationId xmlns:p14="http://schemas.microsoft.com/office/powerpoint/2010/main" val="2822511618"/>
       </p:ext>
     </p:extLst>
   </p:cSld>

--- a/Fredericia/presentation/presentation.pptx
+++ b/Fredericia/presentation/presentation.pptx
@@ -5418,6 +5418,96 @@
       </p:grpSpPr>
       <p:sp>
         <p:nvSpPr>
+          <p:cNvPr id="3" name="Subtitle 2">
+            <a:extLst>
+              <a:ext uri="{FF2B5EF4-FFF2-40B4-BE49-F238E27FC236}">
+                <a16:creationId xmlns:a16="http://schemas.microsoft.com/office/drawing/2014/main" id="{3F0E895C-9F6C-4086-B15D-2550797225CA}"/>
+              </a:ext>
+            </a:extLst>
+          </p:cNvPr>
+          <p:cNvSpPr>
+            <a:spLocks noGrp="1"/>
+          </p:cNvSpPr>
+          <p:nvPr>
+            <p:ph type="body"/>
+          </p:nvPr>
+        </p:nvSpPr>
+        <p:spPr/>
+        <p:txBody>
+          <a:bodyPr>
+            <a:normAutofit/>
+          </a:bodyPr>
+          <a:lstStyle/>
+          <a:p>
+            <a:pPr marL="285750" lvl="3" indent="-285750">
+              <a:buFont typeface="Arial" panose="020B0604020202020204" pitchFamily="34" charset="0"/>
+              <a:buChar char="•"/>
+            </a:pPr>
+            <a:endParaRPr lang="da-DK" dirty="0"/>
+          </a:p>
+          <a:p>
+            <a:pPr marL="285750" lvl="3" indent="-285750">
+              <a:buFont typeface="Arial" panose="020B0604020202020204" pitchFamily="34" charset="0"/>
+              <a:buChar char="•"/>
+            </a:pPr>
+            <a:endParaRPr lang="da-DK" dirty="0"/>
+          </a:p>
+          <a:p>
+            <a:pPr marL="285750" lvl="3" indent="-285750">
+              <a:buFont typeface="Arial" panose="020B0604020202020204" pitchFamily="34" charset="0"/>
+              <a:buChar char="•"/>
+            </a:pPr>
+            <a:endParaRPr lang="da-DK" dirty="0"/>
+          </a:p>
+          <a:p>
+            <a:pPr marL="285750" lvl="3" indent="-285750">
+              <a:buFont typeface="Arial" panose="020B0604020202020204" pitchFamily="34" charset="0"/>
+              <a:buChar char="•"/>
+            </a:pPr>
+            <a:endParaRPr lang="da-DK" dirty="0"/>
+          </a:p>
+          <a:p>
+            <a:pPr marL="285750" lvl="3" indent="-285750">
+              <a:buFont typeface="Arial" panose="020B0604020202020204" pitchFamily="34" charset="0"/>
+              <a:buChar char="•"/>
+            </a:pPr>
+            <a:r>
+              <a:rPr lang="da-DK" sz="2400" dirty="0"/>
+              <a:t>Flow / Koncentrat</a:t>
+            </a:r>
+          </a:p>
+          <a:p>
+            <a:pPr marL="742950" lvl="4" indent="-285750"/>
+            <a:r>
+              <a:rPr lang="da-DK" dirty="0"/>
+              <a:t>Beboelse</a:t>
+            </a:r>
+          </a:p>
+          <a:p>
+            <a:pPr marL="1200150" lvl="5" indent="-285750"/>
+            <a:r>
+              <a:rPr lang="da-DK" dirty="0"/>
+              <a:t>Konsistent</a:t>
+            </a:r>
+          </a:p>
+          <a:p>
+            <a:pPr marL="742950" lvl="4" indent="-285750"/>
+            <a:r>
+              <a:rPr lang="da-DK" dirty="0"/>
+              <a:t>Industri</a:t>
+            </a:r>
+          </a:p>
+          <a:p>
+            <a:pPr marL="1200150" lvl="5" indent="-285750"/>
+            <a:r>
+              <a:rPr lang="da-DK" dirty="0"/>
+              <a:t>Ukendt</a:t>
+            </a:r>
+          </a:p>
+        </p:txBody>
+      </p:sp>
+      <p:sp>
+        <p:nvSpPr>
           <p:cNvPr id="2" name="Title 1">
             <a:extLst>
               <a:ext uri="{FF2B5EF4-FFF2-40B4-BE49-F238E27FC236}">
@@ -5450,65 +5540,6 @@
               <a:t>Problemstillinger</a:t>
             </a:r>
             <a:endParaRPr lang="en-US" sz="2000" dirty="0"/>
-          </a:p>
-        </p:txBody>
-      </p:sp>
-      <p:sp>
-        <p:nvSpPr>
-          <p:cNvPr id="3" name="Subtitle 2">
-            <a:extLst>
-              <a:ext uri="{FF2B5EF4-FFF2-40B4-BE49-F238E27FC236}">
-                <a16:creationId xmlns:a16="http://schemas.microsoft.com/office/drawing/2014/main" id="{3F0E895C-9F6C-4086-B15D-2550797225CA}"/>
-              </a:ext>
-            </a:extLst>
-          </p:cNvPr>
-          <p:cNvSpPr>
-            <a:spLocks noGrp="1"/>
-          </p:cNvSpPr>
-          <p:nvPr>
-            <p:ph type="subTitle"/>
-          </p:nvPr>
-        </p:nvSpPr>
-        <p:spPr/>
-        <p:txBody>
-          <a:bodyPr>
-            <a:normAutofit fontScale="92500" lnSpcReduction="20000"/>
-          </a:bodyPr>
-          <a:lstStyle/>
-          <a:p>
-            <a:pPr lvl="1"/>
-            <a:r>
-              <a:rPr lang="da-DK" dirty="0"/>
-              <a:t>Flow / Koncentrat</a:t>
-            </a:r>
-          </a:p>
-          <a:p>
-            <a:pPr lvl="2"/>
-            <a:r>
-              <a:rPr lang="da-DK" dirty="0"/>
-              <a:t>Beboelse</a:t>
-            </a:r>
-          </a:p>
-          <a:p>
-            <a:pPr lvl="3"/>
-            <a:r>
-              <a:rPr lang="da-DK" dirty="0"/>
-              <a:t>Konsistent</a:t>
-            </a:r>
-          </a:p>
-          <a:p>
-            <a:pPr lvl="2"/>
-            <a:r>
-              <a:rPr lang="da-DK" dirty="0"/>
-              <a:t>Industri</a:t>
-            </a:r>
-          </a:p>
-          <a:p>
-            <a:pPr lvl="3"/>
-            <a:r>
-              <a:rPr lang="da-DK" dirty="0"/>
-              <a:t>Periodisk / Ukendt</a:t>
-            </a:r>
           </a:p>
         </p:txBody>
       </p:sp>
@@ -6057,7 +6088,9 @@
         </p:nvSpPr>
         <p:spPr/>
         <p:txBody>
-          <a:bodyPr/>
+          <a:bodyPr>
+            <a:normAutofit fontScale="85000" lnSpcReduction="20000"/>
+          </a:bodyPr>
           <a:lstStyle/>
           <a:p>
             <a:pPr fontAlgn="ctr"/>
@@ -6182,7 +6215,9 @@
         </p:nvSpPr>
         <p:spPr/>
         <p:txBody>
-          <a:bodyPr/>
+          <a:bodyPr>
+            <a:normAutofit fontScale="62500" lnSpcReduction="20000"/>
+          </a:bodyPr>
           <a:lstStyle/>
           <a:p>
             <a:pPr fontAlgn="ctr"/>
@@ -6321,7 +6356,9 @@
         </p:nvSpPr>
         <p:spPr/>
         <p:txBody>
-          <a:bodyPr/>
+          <a:bodyPr>
+            <a:normAutofit fontScale="70000" lnSpcReduction="20000"/>
+          </a:bodyPr>
           <a:lstStyle/>
           <a:p>
             <a:pPr fontAlgn="ctr"/>

--- a/Fredericia/presentation/presentation.pptx
+++ b/Fredericia/presentation/presentation.pptx
@@ -5418,6 +5418,43 @@
       </p:grpSpPr>
       <p:sp>
         <p:nvSpPr>
+          <p:cNvPr id="2" name="Title 1">
+            <a:extLst>
+              <a:ext uri="{FF2B5EF4-FFF2-40B4-BE49-F238E27FC236}">
+                <a16:creationId xmlns:a16="http://schemas.microsoft.com/office/drawing/2014/main" id="{7274B48B-373C-4332-9B0F-66D00321AC95}"/>
+              </a:ext>
+            </a:extLst>
+          </p:cNvPr>
+          <p:cNvSpPr>
+            <a:spLocks noGrp="1"/>
+          </p:cNvSpPr>
+          <p:nvPr>
+            <p:ph type="title"/>
+          </p:nvPr>
+        </p:nvSpPr>
+        <p:spPr/>
+        <p:txBody>
+          <a:bodyPr/>
+          <a:lstStyle/>
+          <a:p>
+            <a:r>
+              <a:rPr lang="da-DK" dirty="0"/>
+              <a:t> </a:t>
+            </a:r>
+            <a:r>
+              <a:rPr lang="da-DK" sz="2000" dirty="0">
+                <a:solidFill>
+                  <a:schemeClr val="bg1"/>
+                </a:solidFill>
+              </a:rPr>
+              <a:t>Problemstillinger</a:t>
+            </a:r>
+            <a:endParaRPr lang="en-US" sz="2000" dirty="0"/>
+          </a:p>
+        </p:txBody>
+      </p:sp>
+      <p:sp>
+        <p:nvSpPr>
           <p:cNvPr id="3" name="Subtitle 2">
             <a:extLst>
               <a:ext uri="{FF2B5EF4-FFF2-40B4-BE49-F238E27FC236}">
@@ -5503,43 +5540,6 @@
               <a:rPr lang="da-DK" dirty="0"/>
               <a:t>Ukendt</a:t>
             </a:r>
-          </a:p>
-        </p:txBody>
-      </p:sp>
-      <p:sp>
-        <p:nvSpPr>
-          <p:cNvPr id="2" name="Title 1">
-            <a:extLst>
-              <a:ext uri="{FF2B5EF4-FFF2-40B4-BE49-F238E27FC236}">
-                <a16:creationId xmlns:a16="http://schemas.microsoft.com/office/drawing/2014/main" id="{7274B48B-373C-4332-9B0F-66D00321AC95}"/>
-              </a:ext>
-            </a:extLst>
-          </p:cNvPr>
-          <p:cNvSpPr>
-            <a:spLocks noGrp="1"/>
-          </p:cNvSpPr>
-          <p:nvPr>
-            <p:ph type="title"/>
-          </p:nvPr>
-        </p:nvSpPr>
-        <p:spPr/>
-        <p:txBody>
-          <a:bodyPr/>
-          <a:lstStyle/>
-          <a:p>
-            <a:r>
-              <a:rPr lang="da-DK" dirty="0"/>
-              <a:t> </a:t>
-            </a:r>
-            <a:r>
-              <a:rPr lang="da-DK" sz="2000" dirty="0">
-                <a:solidFill>
-                  <a:schemeClr val="bg1"/>
-                </a:solidFill>
-              </a:rPr>
-              <a:t>Problemstillinger</a:t>
-            </a:r>
-            <a:endParaRPr lang="en-US" sz="2000" dirty="0"/>
           </a:p>
         </p:txBody>
       </p:sp>

--- a/Fredericia/presentation/presentation.pptx
+++ b/Fredericia/presentation/presentation.pptx
@@ -4445,7 +4445,7 @@
                 </a:uFill>
                 <a:latin typeface="Arial"/>
               </a:rPr>
-              <a:t>‹#›</a:t>
+              <a:t>‹nr.›</a:t>
             </a:fld>
             <a:r>
               <a:rPr lang="da-DK" sz="1439" b="0" strike="noStrike" spc="-1">
@@ -5421,7 +5421,7 @@
           <p:cNvPr id="3" name="Subtitle 2">
             <a:extLst>
               <a:ext uri="{FF2B5EF4-FFF2-40B4-BE49-F238E27FC236}">
-                <a16:creationId xmlns:a16="http://schemas.microsoft.com/office/drawing/2014/main" id="{3F0E895C-9F6C-4086-B15D-2550797225CA}"/>
+                <a16:creationId xmlns:a16="http://schemas.microsoft.com/office/drawing/2014/main" xmlns="" id="{3F0E895C-9F6C-4086-B15D-2550797225CA}"/>
               </a:ext>
             </a:extLst>
           </p:cNvPr>
@@ -5511,7 +5511,7 @@
           <p:cNvPr id="2" name="Title 1">
             <a:extLst>
               <a:ext uri="{FF2B5EF4-FFF2-40B4-BE49-F238E27FC236}">
-                <a16:creationId xmlns:a16="http://schemas.microsoft.com/office/drawing/2014/main" id="{7274B48B-373C-4332-9B0F-66D00321AC95}"/>
+                <a16:creationId xmlns:a16="http://schemas.microsoft.com/office/drawing/2014/main" xmlns="" id="{7274B48B-373C-4332-9B0F-66D00321AC95}"/>
               </a:ext>
             </a:extLst>
           </p:cNvPr>
@@ -5548,7 +5548,7 @@
           <p:cNvPr id="7" name="Picture 6">
             <a:extLst>
               <a:ext uri="{FF2B5EF4-FFF2-40B4-BE49-F238E27FC236}">
-                <a16:creationId xmlns:a16="http://schemas.microsoft.com/office/drawing/2014/main" id="{2DAF6613-23CC-4BE5-A32A-7DE147EDE97E}"/>
+                <a16:creationId xmlns:a16="http://schemas.microsoft.com/office/drawing/2014/main" xmlns="" id="{2DAF6613-23CC-4BE5-A32A-7DE147EDE97E}"/>
               </a:ext>
             </a:extLst>
           </p:cNvPr>
@@ -5584,7 +5584,7 @@
           <p:cNvPr id="11" name="Picture 10">
             <a:extLst>
               <a:ext uri="{FF2B5EF4-FFF2-40B4-BE49-F238E27FC236}">
-                <a16:creationId xmlns:a16="http://schemas.microsoft.com/office/drawing/2014/main" id="{DD2DEAC5-B8E2-43EE-8736-54457CF80FD8}"/>
+                <a16:creationId xmlns:a16="http://schemas.microsoft.com/office/drawing/2014/main" xmlns="" id="{DD2DEAC5-B8E2-43EE-8736-54457CF80FD8}"/>
               </a:ext>
             </a:extLst>
           </p:cNvPr>
@@ -5650,7 +5650,7 @@
           <p:cNvPr id="2" name="Title 1">
             <a:extLst>
               <a:ext uri="{FF2B5EF4-FFF2-40B4-BE49-F238E27FC236}">
-                <a16:creationId xmlns:a16="http://schemas.microsoft.com/office/drawing/2014/main" id="{2153FAD0-F6CD-45B9-AF46-5C6569B70C39}"/>
+                <a16:creationId xmlns:a16="http://schemas.microsoft.com/office/drawing/2014/main" xmlns="" id="{2153FAD0-F6CD-45B9-AF46-5C6569B70C39}"/>
               </a:ext>
             </a:extLst>
           </p:cNvPr>
@@ -5687,7 +5687,7 @@
           <p:cNvPr id="3" name="Subtitle 2">
             <a:extLst>
               <a:ext uri="{FF2B5EF4-FFF2-40B4-BE49-F238E27FC236}">
-                <a16:creationId xmlns:a16="http://schemas.microsoft.com/office/drawing/2014/main" id="{DA540DE6-7610-4E1F-98B1-37B75DF1286A}"/>
+                <a16:creationId xmlns:a16="http://schemas.microsoft.com/office/drawing/2014/main" xmlns="" id="{DA540DE6-7610-4E1F-98B1-37B75DF1286A}"/>
               </a:ext>
             </a:extLst>
           </p:cNvPr>
@@ -5712,7 +5712,7 @@
           <p:cNvPr id="5" name="Picture 4">
             <a:extLst>
               <a:ext uri="{FF2B5EF4-FFF2-40B4-BE49-F238E27FC236}">
-                <a16:creationId xmlns:a16="http://schemas.microsoft.com/office/drawing/2014/main" id="{06304EAD-ED49-4CB8-9D85-0EB394BA1964}"/>
+                <a16:creationId xmlns:a16="http://schemas.microsoft.com/office/drawing/2014/main" xmlns="" id="{06304EAD-ED49-4CB8-9D85-0EB394BA1964}"/>
               </a:ext>
             </a:extLst>
           </p:cNvPr>
@@ -5786,7 +5786,7 @@
           <p:cNvPr id="12" name="Rectangle 11">
             <a:extLst>
               <a:ext uri="{FF2B5EF4-FFF2-40B4-BE49-F238E27FC236}">
-                <a16:creationId xmlns:a16="http://schemas.microsoft.com/office/drawing/2014/main" id="{48DC5E34-8E8F-4A88-A46D-2753E2123B4D}"/>
+                <a16:creationId xmlns:a16="http://schemas.microsoft.com/office/drawing/2014/main" xmlns="" id="{48DC5E34-8E8F-4A88-A46D-2753E2123B4D}"/>
               </a:ext>
             </a:extLst>
           </p:cNvPr>
@@ -5840,7 +5840,7 @@
           <p:cNvPr id="5" name="Picture 4">
             <a:extLst>
               <a:ext uri="{FF2B5EF4-FFF2-40B4-BE49-F238E27FC236}">
-                <a16:creationId xmlns:a16="http://schemas.microsoft.com/office/drawing/2014/main" id="{C46B8726-45A3-4C15-B455-6B6660EE030D}"/>
+                <a16:creationId xmlns:a16="http://schemas.microsoft.com/office/drawing/2014/main" xmlns="" id="{C46B8726-45A3-4C15-B455-6B6660EE030D}"/>
               </a:ext>
             </a:extLst>
           </p:cNvPr>
@@ -5906,7 +5906,7 @@
           <p:cNvPr id="2" name="Title 1">
             <a:extLst>
               <a:ext uri="{FF2B5EF4-FFF2-40B4-BE49-F238E27FC236}">
-                <a16:creationId xmlns:a16="http://schemas.microsoft.com/office/drawing/2014/main" id="{5F8902FD-69D0-42A1-BE63-48ED560B3BDA}"/>
+                <a16:creationId xmlns:a16="http://schemas.microsoft.com/office/drawing/2014/main" xmlns="" id="{5F8902FD-69D0-42A1-BE63-48ED560B3BDA}"/>
               </a:ext>
             </a:extLst>
           </p:cNvPr>
@@ -5945,7 +5945,7 @@
           <p:cNvPr id="3" name="Subtitle 2">
             <a:extLst>
               <a:ext uri="{FF2B5EF4-FFF2-40B4-BE49-F238E27FC236}">
-                <a16:creationId xmlns:a16="http://schemas.microsoft.com/office/drawing/2014/main" id="{D5888F27-B7F2-49DA-A67B-882936BDC0D6}"/>
+                <a16:creationId xmlns:a16="http://schemas.microsoft.com/office/drawing/2014/main" xmlns="" id="{D5888F27-B7F2-49DA-A67B-882936BDC0D6}"/>
               </a:ext>
             </a:extLst>
           </p:cNvPr>
@@ -5970,7 +5970,7 @@
           <p:cNvPr id="5" name="Picture 4">
             <a:extLst>
               <a:ext uri="{FF2B5EF4-FFF2-40B4-BE49-F238E27FC236}">
-                <a16:creationId xmlns:a16="http://schemas.microsoft.com/office/drawing/2014/main" id="{AB523A48-1674-43B8-8AF1-F581F20AB5BD}"/>
+                <a16:creationId xmlns:a16="http://schemas.microsoft.com/office/drawing/2014/main" xmlns="" id="{AB523A48-1674-43B8-8AF1-F581F20AB5BD}"/>
               </a:ext>
             </a:extLst>
           </p:cNvPr>
@@ -6036,7 +6036,7 @@
           <p:cNvPr id="2" name="Title 1">
             <a:extLst>
               <a:ext uri="{FF2B5EF4-FFF2-40B4-BE49-F238E27FC236}">
-                <a16:creationId xmlns:a16="http://schemas.microsoft.com/office/drawing/2014/main" id="{467D8F15-166C-4E7B-92EC-9CEC49B78715}"/>
+                <a16:creationId xmlns:a16="http://schemas.microsoft.com/office/drawing/2014/main" xmlns="" id="{467D8F15-166C-4E7B-92EC-9CEC49B78715}"/>
               </a:ext>
             </a:extLst>
           </p:cNvPr>
@@ -6075,7 +6075,7 @@
           <p:cNvPr id="3" name="Subtitle 2">
             <a:extLst>
               <a:ext uri="{FF2B5EF4-FFF2-40B4-BE49-F238E27FC236}">
-                <a16:creationId xmlns:a16="http://schemas.microsoft.com/office/drawing/2014/main" id="{4248E21A-F719-49C1-AD8D-36A53113C344}"/>
+                <a16:creationId xmlns:a16="http://schemas.microsoft.com/office/drawing/2014/main" xmlns="" id="{4248E21A-F719-49C1-AD8D-36A53113C344}"/>
               </a:ext>
             </a:extLst>
           </p:cNvPr>
@@ -6089,7 +6089,7 @@
         <p:spPr/>
         <p:txBody>
           <a:bodyPr>
-            <a:normAutofit fontScale="85000" lnSpcReduction="20000"/>
+            <a:normAutofit/>
           </a:bodyPr>
           <a:lstStyle/>
           <a:p>
@@ -6167,7 +6167,7 @@
           <p:cNvPr id="2" name="Title 1">
             <a:extLst>
               <a:ext uri="{FF2B5EF4-FFF2-40B4-BE49-F238E27FC236}">
-                <a16:creationId xmlns:a16="http://schemas.microsoft.com/office/drawing/2014/main" id="{B993D76C-4153-4B29-A6D5-7527F17EFB14}"/>
+                <a16:creationId xmlns:a16="http://schemas.microsoft.com/office/drawing/2014/main" xmlns="" id="{B993D76C-4153-4B29-A6D5-7527F17EFB14}"/>
               </a:ext>
             </a:extLst>
           </p:cNvPr>
@@ -6202,7 +6202,7 @@
           <p:cNvPr id="3" name="Subtitle 2">
             <a:extLst>
               <a:ext uri="{FF2B5EF4-FFF2-40B4-BE49-F238E27FC236}">
-                <a16:creationId xmlns:a16="http://schemas.microsoft.com/office/drawing/2014/main" id="{509BA6FE-4B8C-4275-8961-6B5511996348}"/>
+                <a16:creationId xmlns:a16="http://schemas.microsoft.com/office/drawing/2014/main" xmlns="" id="{509BA6FE-4B8C-4275-8961-6B5511996348}"/>
               </a:ext>
             </a:extLst>
           </p:cNvPr>
@@ -6216,7 +6216,7 @@
         <p:spPr/>
         <p:txBody>
           <a:bodyPr>
-            <a:normAutofit fontScale="62500" lnSpcReduction="20000"/>
+            <a:normAutofit/>
           </a:bodyPr>
           <a:lstStyle/>
           <a:p>
@@ -6308,7 +6308,7 @@
           <p:cNvPr id="2" name="Title 1">
             <a:extLst>
               <a:ext uri="{FF2B5EF4-FFF2-40B4-BE49-F238E27FC236}">
-                <a16:creationId xmlns:a16="http://schemas.microsoft.com/office/drawing/2014/main" id="{E19A9079-10BE-4933-98D6-27D94B9B01A6}"/>
+                <a16:creationId xmlns:a16="http://schemas.microsoft.com/office/drawing/2014/main" xmlns="" id="{E19A9079-10BE-4933-98D6-27D94B9B01A6}"/>
               </a:ext>
             </a:extLst>
           </p:cNvPr>
@@ -6343,7 +6343,7 @@
           <p:cNvPr id="3" name="Subtitle 2">
             <a:extLst>
               <a:ext uri="{FF2B5EF4-FFF2-40B4-BE49-F238E27FC236}">
-                <a16:creationId xmlns:a16="http://schemas.microsoft.com/office/drawing/2014/main" id="{39D5BF07-8717-4218-AC8F-9254022031A4}"/>
+                <a16:creationId xmlns:a16="http://schemas.microsoft.com/office/drawing/2014/main" xmlns="" id="{39D5BF07-8717-4218-AC8F-9254022031A4}"/>
               </a:ext>
             </a:extLst>
           </p:cNvPr>
@@ -6357,7 +6357,7 @@
         <p:spPr/>
         <p:txBody>
           <a:bodyPr>
-            <a:normAutofit fontScale="70000" lnSpcReduction="20000"/>
+            <a:normAutofit/>
           </a:bodyPr>
           <a:lstStyle/>
           <a:p>
